--- a/lessons/basic/refactormeta3d/第三节课.pptx
+++ b/lessons/basic/refactormeta3d/第三节课.pptx
@@ -27,7 +27,7 @@
     <p:sldId id="362" r:id="rId17"/>
     <p:sldId id="410" r:id="rId18"/>
     <p:sldId id="420" r:id="rId19"/>
-    <p:sldId id="316" r:id="rId20"/>
+    <p:sldId id="469" r:id="rId20"/>
   </p:sldIdLst>
   <p:sldSz cx="12192000" cy="6858000"/>
   <p:notesSz cx="6858000" cy="9144000"/>
@@ -6440,10 +6440,13 @@
             </a:pPr>
             <a:r>
               <a:rPr>
-                <a:hlinkClick r:id="rId1" tooltip="" action="ppaction://hlinkfile"/>
+                <a:hlinkClick r:id="rId1" action="ppaction://hlinkfile"/>
               </a:rPr>
               <a:t>Meta3D</a:t>
             </a:r>
+            <a:endParaRPr>
+              <a:hlinkClick r:id="rId1" action="ppaction://hlinkfile"/>
+            </a:endParaRPr>
           </a:p>
         </p:txBody>
       </p:sp>
@@ -6719,6 +6722,9 @@
               </a:rPr>
               <a:t>三角函数、向量和矩阵</a:t>
             </a:r>
+            <a:endParaRPr>
+              <a:sym typeface="+mn-ea"/>
+            </a:endParaRPr>
           </a:p>
         </p:txBody>
       </p:sp>
@@ -6783,6 +6789,51 @@
               <a:buFont typeface="Arial" panose="020B0604020202020204" pitchFamily="34" charset="0"/>
               <a:buChar char="•"/>
             </a:pPr>
+            <a:r>
+              <a:t>为什么大型的</a:t>
+            </a:r>
+            <a:r>
+              <a:rPr lang="en-US" altLang="zh-CN"/>
+              <a:t>web3d</a:t>
+            </a:r>
+            <a:r>
+              <a:t>应用</a:t>
+            </a:r>
+            <a:r>
+              <a:t>比较少？</a:t>
+            </a:r>
+          </a:p>
+          <a:p>
+            <a:pPr>
+              <a:buFont typeface="Arial" panose="020B0604020202020204" pitchFamily="34" charset="0"/>
+            </a:pPr>
+            <a:r>
+              <a:rPr lang="en-US" altLang="zh-CN"/>
+              <a:t>- web3d</a:t>
+            </a:r>
+            <a:r>
+              <a:t>发展</a:t>
+            </a:r>
+            <a:r>
+              <a:t>时间</a:t>
+            </a:r>
+          </a:p>
+          <a:p>
+            <a:pPr>
+              <a:buFont typeface="Arial" panose="020B0604020202020204" pitchFamily="34" charset="0"/>
+            </a:pPr>
+            <a:r>
+              <a:rPr lang="en-US" altLang="zh-CN"/>
+              <a:t>- WebGL</a:t>
+            </a:r>
+            <a:r>
+              <a:t>限制</a:t>
+            </a:r>
+          </a:p>
+          <a:p>
+            <a:pPr>
+              <a:buFont typeface="Arial" panose="020B0604020202020204" pitchFamily="34" charset="0"/>
+            </a:pPr>
             <a:endParaRPr lang="en-US" altLang="zh-CN"/>
           </a:p>
         </p:txBody>
@@ -6838,39 +6889,19 @@
             <p:ph type="title"/>
           </p:nvPr>
         </p:nvSpPr>
-        <p:spPr>
-          <a:xfrm>
-            <a:off x="657817" y="3214570"/>
-            <a:ext cx="10852237" cy="648000"/>
-          </a:xfrm>
-        </p:spPr>
+        <p:spPr/>
         <p:txBody>
           <a:bodyPr/>
           <a:p>
-            <a:endParaRPr lang="zh-CN" altLang="en-US"/>
-          </a:p>
-        </p:txBody>
-      </p:sp>
-      <p:sp>
-        <p:nvSpPr>
-          <p:cNvPr id="3" name="文本占位符 2"/>
-          <p:cNvSpPr>
-            <a:spLocks noGrp="1"/>
-          </p:cNvSpPr>
-          <p:nvPr>
-            <p:ph type="body" idx="1"/>
-          </p:nvPr>
-        </p:nvSpPr>
-        <p:spPr>
-          <a:xfrm>
-            <a:off x="669925" y="1626235"/>
-            <a:ext cx="10852150" cy="4553585"/>
-          </a:xfrm>
-        </p:spPr>
-        <p:txBody>
-          <a:bodyPr/>
-          <a:p>
-            <a:endParaRPr lang="zh-CN" altLang="en-US"/>
+            <a:r>
+              <a:rPr lang="zh-CN" altLang="en-US"/>
+              <a:t>谢谢你</a:t>
+            </a:r>
+            <a:r>
+              <a:rPr lang="en-US" altLang="zh-CN"/>
+              <a:t>~</a:t>
+            </a:r>
+            <a:endParaRPr lang="en-US" altLang="zh-CN"/>
           </a:p>
         </p:txBody>
       </p:sp>
